--- a/2-8(김동민,김상현,나기엽,허영민).pptx
+++ b/2-8(김동민,김상현,나기엽,허영민).pptx
@@ -244,7 +244,7 @@
             <a:fld id="{9B864841-D7C0-46C1-B8DF-C271A85531C8}" type="datetimeFigureOut">
               <a:rPr lang="ko-KR" altLang="en-US" smtClean="0"/>
               <a:pPr/>
-              <a:t>2018-05-03</a:t>
+              <a:t>2018-05-30</a:t>
             </a:fld>
             <a:endParaRPr lang="ko-KR" altLang="en-US"/>
           </a:p>
@@ -2020,7 +2020,7 @@
             <a:fld id="{5240629C-35D7-4ED5-BD4A-2D3440E8C930}" type="datetime1">
               <a:rPr lang="ko-KR" altLang="en-US" smtClean="0"/>
               <a:pPr/>
-              <a:t>2018-05-03</a:t>
+              <a:t>2018-05-30</a:t>
             </a:fld>
             <a:endParaRPr lang="ko-KR" altLang="en-US"/>
           </a:p>
@@ -2220,7 +2220,7 @@
             <a:fld id="{54330EB6-C7F7-4415-B294-E8F200D58843}" type="datetime1">
               <a:rPr lang="ko-KR" altLang="en-US" smtClean="0"/>
               <a:pPr/>
-              <a:t>2018-05-03</a:t>
+              <a:t>2018-05-30</a:t>
             </a:fld>
             <a:endParaRPr lang="ko-KR" altLang="en-US"/>
           </a:p>
@@ -2430,7 +2430,7 @@
             <a:fld id="{ECC965D0-4910-41BC-9FCE-178BBD2718FF}" type="datetime1">
               <a:rPr lang="ko-KR" altLang="en-US" smtClean="0"/>
               <a:pPr/>
-              <a:t>2018-05-03</a:t>
+              <a:t>2018-05-30</a:t>
             </a:fld>
             <a:endParaRPr lang="ko-KR" altLang="en-US"/>
           </a:p>
@@ -2630,7 +2630,7 @@
             <a:fld id="{D12589B9-EAF4-4062-8171-AF23E288B741}" type="datetime1">
               <a:rPr lang="ko-KR" altLang="en-US" smtClean="0"/>
               <a:pPr/>
-              <a:t>2018-05-03</a:t>
+              <a:t>2018-05-30</a:t>
             </a:fld>
             <a:endParaRPr lang="ko-KR" altLang="en-US"/>
           </a:p>
@@ -2907,7 +2907,7 @@
             <a:fld id="{343F6EED-A7F0-44BC-8379-842BF3FA5582}" type="datetime1">
               <a:rPr lang="ko-KR" altLang="en-US" smtClean="0"/>
               <a:pPr/>
-              <a:t>2018-05-03</a:t>
+              <a:t>2018-05-30</a:t>
             </a:fld>
             <a:endParaRPr lang="ko-KR" altLang="en-US"/>
           </a:p>
@@ -3174,7 +3174,7 @@
             <a:fld id="{CF4743A9-28F7-485E-8A92-522E10D8C052}" type="datetime1">
               <a:rPr lang="ko-KR" altLang="en-US" smtClean="0"/>
               <a:pPr/>
-              <a:t>2018-05-03</a:t>
+              <a:t>2018-05-30</a:t>
             </a:fld>
             <a:endParaRPr lang="ko-KR" altLang="en-US"/>
           </a:p>
@@ -3588,7 +3588,7 @@
             <a:fld id="{0E456AF9-A11F-4D88-9FC0-FC2F44C76413}" type="datetime1">
               <a:rPr lang="ko-KR" altLang="en-US" smtClean="0"/>
               <a:pPr/>
-              <a:t>2018-05-03</a:t>
+              <a:t>2018-05-30</a:t>
             </a:fld>
             <a:endParaRPr lang="ko-KR" altLang="en-US"/>
           </a:p>
@@ -3731,7 +3731,7 @@
             <a:fld id="{93F56D05-7387-4B12-A30F-7A0FDB66E3DD}" type="datetime1">
               <a:rPr lang="ko-KR" altLang="en-US" smtClean="0"/>
               <a:pPr/>
-              <a:t>2018-05-03</a:t>
+              <a:t>2018-05-30</a:t>
             </a:fld>
             <a:endParaRPr lang="ko-KR" altLang="en-US"/>
           </a:p>
@@ -3846,7 +3846,7 @@
             <a:fld id="{10148ED8-C829-4885-88FB-383AA39D0AED}" type="datetime1">
               <a:rPr lang="ko-KR" altLang="en-US" smtClean="0"/>
               <a:pPr/>
-              <a:t>2018-05-03</a:t>
+              <a:t>2018-05-30</a:t>
             </a:fld>
             <a:endParaRPr lang="ko-KR" altLang="en-US"/>
           </a:p>
@@ -4159,7 +4159,7 @@
             <a:fld id="{5B809D08-EA7B-498B-9BA4-FE00AD5D46D0}" type="datetime1">
               <a:rPr lang="ko-KR" altLang="en-US" smtClean="0"/>
               <a:pPr/>
-              <a:t>2018-05-03</a:t>
+              <a:t>2018-05-30</a:t>
             </a:fld>
             <a:endParaRPr lang="ko-KR" altLang="en-US"/>
           </a:p>
@@ -4449,7 +4449,7 @@
             <a:fld id="{41937676-B207-4C44-A9BB-800BC32E237C}" type="datetime1">
               <a:rPr lang="ko-KR" altLang="en-US" smtClean="0"/>
               <a:pPr/>
-              <a:t>2018-05-03</a:t>
+              <a:t>2018-05-30</a:t>
             </a:fld>
             <a:endParaRPr lang="ko-KR" altLang="en-US"/>
           </a:p>
@@ -4692,7 +4692,7 @@
             <a:fld id="{744527A3-E141-4C2B-A272-E2B22957B5D9}" type="datetime1">
               <a:rPr lang="ko-KR" altLang="en-US" smtClean="0"/>
               <a:pPr/>
-              <a:t>2018-05-03</a:t>
+              <a:t>2018-05-30</a:t>
             </a:fld>
             <a:endParaRPr lang="ko-KR" altLang="en-US"/>
           </a:p>
@@ -21093,7 +21093,7 @@
         <p:spPr>
           <a:xfrm>
             <a:off x="665028" y="722822"/>
-            <a:ext cx="11073679" cy="3046988"/>
+            <a:ext cx="11073679" cy="5145448"/>
           </a:xfrm>
           <a:prstGeom prst="rect">
             <a:avLst/>
@@ -21120,7 +21120,7 @@
               <a:rPr lang="ko-KR" altLang="en-US" sz="2400" dirty="0">
                 <a:latin typeface="+mn-ea"/>
               </a:rPr>
-              <a:t>진도를 신경 쓸 것</a:t>
+              <a:t>서비스 기능이 더 많아져야 함</a:t>
             </a:r>
             <a:endParaRPr lang="en-US" altLang="ko-KR" sz="2400" dirty="0">
               <a:latin typeface="+mn-ea"/>
@@ -21134,6 +21134,84 @@
               <a:buFont typeface="Wingdings" panose="05000000000000000000" pitchFamily="2" charset="2"/>
               <a:buChar char="l"/>
             </a:pPr>
+            <a:endParaRPr lang="en-US" altLang="ko-KR" sz="2400" dirty="0">
+              <a:latin typeface="+mn-ea"/>
+            </a:endParaRPr>
+          </a:p>
+          <a:p>
+            <a:pPr marL="457200" indent="-457200">
+              <a:lnSpc>
+                <a:spcPct val="200000"/>
+              </a:lnSpc>
+              <a:buFont typeface="Wingdings" panose="05000000000000000000" pitchFamily="2" charset="2"/>
+              <a:buChar char="l"/>
+            </a:pPr>
+            <a:r>
+              <a:rPr lang="ko-KR" altLang="en-US" sz="2400" dirty="0">
+                <a:latin typeface="+mn-ea"/>
+              </a:rPr>
+              <a:t>오차를 줄일 것</a:t>
+            </a:r>
+            <a:endParaRPr lang="en-US" altLang="ko-KR" sz="2400" dirty="0">
+              <a:latin typeface="+mn-ea"/>
+            </a:endParaRPr>
+          </a:p>
+          <a:p>
+            <a:pPr marL="457200" indent="-457200">
+              <a:lnSpc>
+                <a:spcPct val="200000"/>
+              </a:lnSpc>
+              <a:buFont typeface="Wingdings" panose="05000000000000000000" pitchFamily="2" charset="2"/>
+              <a:buChar char="l"/>
+            </a:pPr>
+            <a:endParaRPr lang="en-US" altLang="ko-KR" sz="2400" dirty="0">
+              <a:latin typeface="+mn-ea"/>
+            </a:endParaRPr>
+          </a:p>
+          <a:p>
+            <a:pPr marL="457200" indent="-457200">
+              <a:lnSpc>
+                <a:spcPct val="200000"/>
+              </a:lnSpc>
+              <a:buFont typeface="Wingdings" panose="05000000000000000000" pitchFamily="2" charset="2"/>
+              <a:buChar char="l"/>
+            </a:pPr>
+            <a:r>
+              <a:rPr lang="en-US" altLang="ko-KR" sz="2400" dirty="0">
+                <a:latin typeface="+mn-ea"/>
+              </a:rPr>
+              <a:t>APP</a:t>
+            </a:r>
+            <a:r>
+              <a:rPr lang="ko-KR" altLang="en-US" sz="2400" dirty="0">
+                <a:latin typeface="+mn-ea"/>
+              </a:rPr>
+              <a:t>과 </a:t>
+            </a:r>
+            <a:r>
+              <a:rPr lang="en-US" altLang="ko-KR" sz="2400" dirty="0">
+                <a:latin typeface="+mn-ea"/>
+              </a:rPr>
+              <a:t>WEB</a:t>
+            </a:r>
+            <a:r>
+              <a:rPr lang="ko-KR" altLang="en-US" sz="2400" dirty="0">
+                <a:latin typeface="+mn-ea"/>
+              </a:rPr>
+              <a:t> 기능 </a:t>
+            </a:r>
+            <a:r>
+              <a:rPr lang="ko-KR" altLang="en-US" sz="2400">
+                <a:latin typeface="+mn-ea"/>
+              </a:rPr>
+              <a:t>구현을 신경 쓸 </a:t>
+            </a:r>
+            <a:r>
+              <a:rPr lang="ko-KR" altLang="en-US" sz="2400" dirty="0">
+                <a:latin typeface="+mn-ea"/>
+              </a:rPr>
+              <a:t>것</a:t>
+            </a:r>
             <a:endParaRPr lang="en-US" altLang="ko-KR" sz="2400" dirty="0">
               <a:latin typeface="+mn-ea"/>
             </a:endParaRPr>

--- a/2-8(김동민,김상현,나기엽,허영민).pptx
+++ b/2-8(김동민,김상현,나기엽,허영민).pptx
@@ -244,7 +244,7 @@
             <a:fld id="{9B864841-D7C0-46C1-B8DF-C271A85531C8}" type="datetimeFigureOut">
               <a:rPr lang="ko-KR" altLang="en-US" smtClean="0"/>
               <a:pPr/>
-              <a:t>2018-05-30</a:t>
+              <a:t>2018-05-31</a:t>
             </a:fld>
             <a:endParaRPr lang="ko-KR" altLang="en-US"/>
           </a:p>
@@ -2020,7 +2020,7 @@
             <a:fld id="{5240629C-35D7-4ED5-BD4A-2D3440E8C930}" type="datetime1">
               <a:rPr lang="ko-KR" altLang="en-US" smtClean="0"/>
               <a:pPr/>
-              <a:t>2018-05-30</a:t>
+              <a:t>2018-05-31</a:t>
             </a:fld>
             <a:endParaRPr lang="ko-KR" altLang="en-US"/>
           </a:p>
@@ -2220,7 +2220,7 @@
             <a:fld id="{54330EB6-C7F7-4415-B294-E8F200D58843}" type="datetime1">
               <a:rPr lang="ko-KR" altLang="en-US" smtClean="0"/>
               <a:pPr/>
-              <a:t>2018-05-30</a:t>
+              <a:t>2018-05-31</a:t>
             </a:fld>
             <a:endParaRPr lang="ko-KR" altLang="en-US"/>
           </a:p>
@@ -2430,7 +2430,7 @@
             <a:fld id="{ECC965D0-4910-41BC-9FCE-178BBD2718FF}" type="datetime1">
               <a:rPr lang="ko-KR" altLang="en-US" smtClean="0"/>
               <a:pPr/>
-              <a:t>2018-05-30</a:t>
+              <a:t>2018-05-31</a:t>
             </a:fld>
             <a:endParaRPr lang="ko-KR" altLang="en-US"/>
           </a:p>
@@ -2630,7 +2630,7 @@
             <a:fld id="{D12589B9-EAF4-4062-8171-AF23E288B741}" type="datetime1">
               <a:rPr lang="ko-KR" altLang="en-US" smtClean="0"/>
               <a:pPr/>
-              <a:t>2018-05-30</a:t>
+              <a:t>2018-05-31</a:t>
             </a:fld>
             <a:endParaRPr lang="ko-KR" altLang="en-US"/>
           </a:p>
@@ -2907,7 +2907,7 @@
             <a:fld id="{343F6EED-A7F0-44BC-8379-842BF3FA5582}" type="datetime1">
               <a:rPr lang="ko-KR" altLang="en-US" smtClean="0"/>
               <a:pPr/>
-              <a:t>2018-05-30</a:t>
+              <a:t>2018-05-31</a:t>
             </a:fld>
             <a:endParaRPr lang="ko-KR" altLang="en-US"/>
           </a:p>
@@ -3174,7 +3174,7 @@
             <a:fld id="{CF4743A9-28F7-485E-8A92-522E10D8C052}" type="datetime1">
               <a:rPr lang="ko-KR" altLang="en-US" smtClean="0"/>
               <a:pPr/>
-              <a:t>2018-05-30</a:t>
+              <a:t>2018-05-31</a:t>
             </a:fld>
             <a:endParaRPr lang="ko-KR" altLang="en-US"/>
           </a:p>
@@ -3588,7 +3588,7 @@
             <a:fld id="{0E456AF9-A11F-4D88-9FC0-FC2F44C76413}" type="datetime1">
               <a:rPr lang="ko-KR" altLang="en-US" smtClean="0"/>
               <a:pPr/>
-              <a:t>2018-05-30</a:t>
+              <a:t>2018-05-31</a:t>
             </a:fld>
             <a:endParaRPr lang="ko-KR" altLang="en-US"/>
           </a:p>
@@ -3731,7 +3731,7 @@
             <a:fld id="{93F56D05-7387-4B12-A30F-7A0FDB66E3DD}" type="datetime1">
               <a:rPr lang="ko-KR" altLang="en-US" smtClean="0"/>
               <a:pPr/>
-              <a:t>2018-05-30</a:t>
+              <a:t>2018-05-31</a:t>
             </a:fld>
             <a:endParaRPr lang="ko-KR" altLang="en-US"/>
           </a:p>
@@ -3846,7 +3846,7 @@
             <a:fld id="{10148ED8-C829-4885-88FB-383AA39D0AED}" type="datetime1">
               <a:rPr lang="ko-KR" altLang="en-US" smtClean="0"/>
               <a:pPr/>
-              <a:t>2018-05-30</a:t>
+              <a:t>2018-05-31</a:t>
             </a:fld>
             <a:endParaRPr lang="ko-KR" altLang="en-US"/>
           </a:p>
@@ -4159,7 +4159,7 @@
             <a:fld id="{5B809D08-EA7B-498B-9BA4-FE00AD5D46D0}" type="datetime1">
               <a:rPr lang="ko-KR" altLang="en-US" smtClean="0"/>
               <a:pPr/>
-              <a:t>2018-05-30</a:t>
+              <a:t>2018-05-31</a:t>
             </a:fld>
             <a:endParaRPr lang="ko-KR" altLang="en-US"/>
           </a:p>
@@ -4449,7 +4449,7 @@
             <a:fld id="{41937676-B207-4C44-A9BB-800BC32E237C}" type="datetime1">
               <a:rPr lang="ko-KR" altLang="en-US" smtClean="0"/>
               <a:pPr/>
-              <a:t>2018-05-30</a:t>
+              <a:t>2018-05-31</a:t>
             </a:fld>
             <a:endParaRPr lang="ko-KR" altLang="en-US"/>
           </a:p>
@@ -4692,7 +4692,7 @@
             <a:fld id="{744527A3-E141-4C2B-A272-E2B22957B5D9}" type="datetime1">
               <a:rPr lang="ko-KR" altLang="en-US" smtClean="0"/>
               <a:pPr/>
-              <a:t>2018-05-30</a:t>
+              <a:t>2018-05-31</a:t>
             </a:fld>
             <a:endParaRPr lang="ko-KR" altLang="en-US"/>
           </a:p>
@@ -21093,7 +21093,7 @@
         <p:spPr>
           <a:xfrm>
             <a:off x="665028" y="722822"/>
-            <a:ext cx="11073679" cy="5145448"/>
+            <a:ext cx="11073679" cy="5884111"/>
           </a:xfrm>
           <a:prstGeom prst="rect">
             <a:avLst/>
@@ -21127,6 +21127,26 @@
             </a:endParaRPr>
           </a:p>
           <a:p>
+            <a:pPr>
+              <a:lnSpc>
+                <a:spcPct val="200000"/>
+              </a:lnSpc>
+            </a:pPr>
+            <a:r>
+              <a:rPr lang="en-US" altLang="ko-KR" sz="2400" dirty="0">
+                <a:latin typeface="+mn-ea"/>
+              </a:rPr>
+              <a:t>       -  </a:t>
+            </a:r>
+            <a:r>
+              <a:rPr lang="ko-KR" altLang="en-US" dirty="0"/>
+              <a:t>유아의 밴드에 진동모터를 달아 위험지역에 들어올 경우 알림</a:t>
+            </a:r>
+            <a:endParaRPr lang="en-US" altLang="ko-KR" sz="2400" dirty="0">
+              <a:latin typeface="+mn-ea"/>
+            </a:endParaRPr>
+          </a:p>
+          <a:p>
             <a:pPr marL="457200" indent="-457200">
               <a:lnSpc>
                 <a:spcPct val="200000"/>
@@ -21134,6 +21154,38 @@
               <a:buFont typeface="Wingdings" panose="05000000000000000000" pitchFamily="2" charset="2"/>
               <a:buChar char="l"/>
             </a:pPr>
+            <a:r>
+              <a:rPr lang="ko-KR" altLang="en-US" sz="2400" dirty="0">
+                <a:latin typeface="+mn-ea"/>
+              </a:rPr>
+              <a:t>오차를 줄일 것</a:t>
+            </a:r>
+            <a:endParaRPr lang="en-US" altLang="ko-KR" sz="2400" dirty="0">
+              <a:latin typeface="+mn-ea"/>
+            </a:endParaRPr>
+          </a:p>
+          <a:p>
+            <a:pPr>
+              <a:lnSpc>
+                <a:spcPct val="200000"/>
+              </a:lnSpc>
+            </a:pPr>
+            <a:r>
+              <a:rPr lang="en-US" altLang="ko-KR" sz="2400" dirty="0">
+                <a:latin typeface="+mn-ea"/>
+              </a:rPr>
+              <a:t>       - </a:t>
+            </a:r>
+            <a:r>
+              <a:rPr lang="ko-KR" altLang="en-US" dirty="0">
+                <a:latin typeface="+mn-ea"/>
+              </a:rPr>
+              <a:t>지</a:t>
+            </a:r>
+            <a:r>
+              <a:rPr lang="ko-KR" altLang="en-US" dirty="0"/>
+              <a:t>속적인 테스트와 수치 값 조절로 오차범위 최소화</a:t>
+            </a:r>
             <a:endParaRPr lang="en-US" altLang="ko-KR" sz="2400" dirty="0">
               <a:latin typeface="+mn-ea"/>
             </a:endParaRPr>
@@ -21147,10 +21199,50 @@
               <a:buChar char="l"/>
             </a:pPr>
             <a:r>
+              <a:rPr lang="en-US" altLang="ko-KR" sz="2400" dirty="0">
+                <a:latin typeface="+mn-ea"/>
+              </a:rPr>
+              <a:t>APP</a:t>
+            </a:r>
+            <a:r>
               <a:rPr lang="ko-KR" altLang="en-US" sz="2400" dirty="0">
                 <a:latin typeface="+mn-ea"/>
               </a:rPr>
-              <a:t>오차를 줄일 것</a:t>
+              <a:t>과 </a:t>
+            </a:r>
+            <a:r>
+              <a:rPr lang="en-US" altLang="ko-KR" sz="2400" dirty="0">
+                <a:latin typeface="+mn-ea"/>
+              </a:rPr>
+              <a:t>WEB</a:t>
+            </a:r>
+            <a:r>
+              <a:rPr lang="ko-KR" altLang="en-US" sz="2400" dirty="0">
+                <a:latin typeface="+mn-ea"/>
+              </a:rPr>
+              <a:t> 기능 구현을 신경 쓸 것</a:t>
+            </a:r>
+            <a:endParaRPr lang="en-US" altLang="ko-KR" sz="2400" dirty="0">
+              <a:latin typeface="+mn-ea"/>
+            </a:endParaRPr>
+          </a:p>
+          <a:p>
+            <a:pPr>
+              <a:lnSpc>
+                <a:spcPct val="200000"/>
+              </a:lnSpc>
+            </a:pPr>
+            <a:r>
+              <a:rPr lang="en-US" altLang="ko-KR" sz="2400" dirty="0">
+                <a:latin typeface="+mn-ea"/>
+              </a:rPr>
+              <a:t>       - </a:t>
+            </a:r>
+            <a:r>
+              <a:rPr lang="ko-KR" altLang="en-US" dirty="0">
+                <a:latin typeface="+mn-ea"/>
+              </a:rPr>
+              <a:t>사용자 및 가드 용 인터페이스 조성</a:t>
             </a:r>
             <a:endParaRPr lang="en-US" altLang="ko-KR" sz="2400" dirty="0">
               <a:latin typeface="+mn-ea"/>
@@ -21164,83 +21256,33 @@
               <a:buFont typeface="Wingdings" panose="05000000000000000000" pitchFamily="2" charset="2"/>
               <a:buChar char="l"/>
             </a:pPr>
+            <a:r>
+              <a:rPr lang="ko-KR" altLang="en-US" sz="2400" dirty="0">
+                <a:latin typeface="+mn-ea"/>
+              </a:rPr>
+              <a:t>정확한 위치 파악이 될 수 있도록 구현 </a:t>
+            </a:r>
             <a:endParaRPr lang="en-US" altLang="ko-KR" sz="2400" dirty="0">
               <a:latin typeface="+mn-ea"/>
             </a:endParaRPr>
           </a:p>
           <a:p>
-            <a:pPr marL="457200" indent="-457200">
+            <a:pPr>
               <a:lnSpc>
                 <a:spcPct val="200000"/>
               </a:lnSpc>
-              <a:buFont typeface="Wingdings" panose="05000000000000000000" pitchFamily="2" charset="2"/>
-              <a:buChar char="l"/>
             </a:pPr>
             <a:r>
               <a:rPr lang="en-US" altLang="ko-KR" sz="2400" dirty="0">
                 <a:latin typeface="+mn-ea"/>
               </a:rPr>
-              <a:t>APP</a:t>
-            </a:r>
-            <a:r>
-              <a:rPr lang="ko-KR" altLang="en-US" sz="2400" dirty="0">
-                <a:latin typeface="+mn-ea"/>
-              </a:rPr>
-              <a:t>과 </a:t>
-            </a:r>
-            <a:r>
-              <a:rPr lang="en-US" altLang="ko-KR" sz="2400" dirty="0">
-                <a:latin typeface="+mn-ea"/>
-              </a:rPr>
-              <a:t>WEB</a:t>
-            </a:r>
-            <a:r>
-              <a:rPr lang="ko-KR" altLang="en-US" sz="2400" dirty="0">
-                <a:latin typeface="+mn-ea"/>
-              </a:rPr>
-              <a:t> 기능 </a:t>
-            </a:r>
-            <a:r>
-              <a:rPr lang="ko-KR" altLang="en-US" sz="2400">
-                <a:latin typeface="+mn-ea"/>
-              </a:rPr>
-              <a:t>구현을 신경 쓸 </a:t>
-            </a:r>
-            <a:r>
-              <a:rPr lang="ko-KR" altLang="en-US" sz="2400" dirty="0">
-                <a:latin typeface="+mn-ea"/>
-              </a:rPr>
-              <a:t>것</a:t>
-            </a:r>
-            <a:endParaRPr lang="en-US" altLang="ko-KR" sz="2400" dirty="0">
-              <a:latin typeface="+mn-ea"/>
-            </a:endParaRPr>
-          </a:p>
-          <a:p>
-            <a:pPr marL="457200" indent="-457200">
-              <a:lnSpc>
-                <a:spcPct val="200000"/>
-              </a:lnSpc>
-              <a:buFont typeface="Wingdings" panose="05000000000000000000" pitchFamily="2" charset="2"/>
-              <a:buChar char="l"/>
-            </a:pPr>
-            <a:endParaRPr lang="en-US" altLang="ko-KR" sz="2400" dirty="0">
-              <a:latin typeface="+mn-ea"/>
-            </a:endParaRPr>
-          </a:p>
-          <a:p>
-            <a:pPr marL="457200" indent="-457200">
-              <a:lnSpc>
-                <a:spcPct val="200000"/>
-              </a:lnSpc>
-              <a:buFont typeface="Wingdings" panose="05000000000000000000" pitchFamily="2" charset="2"/>
-              <a:buChar char="l"/>
-            </a:pPr>
-            <a:r>
-              <a:rPr lang="ko-KR" altLang="en-US" sz="2400" dirty="0">
-                <a:latin typeface="+mn-ea"/>
-              </a:rPr>
-              <a:t>정확한 위치 파악이 될 수 있도록 구현</a:t>
+              <a:t>       - </a:t>
+            </a:r>
+            <a:r>
+              <a:rPr lang="ko-KR" altLang="en-US" dirty="0">
+                <a:latin typeface="+mn-ea"/>
+              </a:rPr>
+              <a:t>정확한 위치 파악 구현</a:t>
             </a:r>
             <a:endParaRPr lang="en-US" altLang="ko-KR" sz="2400" dirty="0">
               <a:latin typeface="+mn-ea"/>
